--- a/ppt/ROBOMECH2018_講習会_3部.pptx
+++ b/ppt/ROBOMECH2018_講習会_3部.pptx
@@ -9794,7 +9794,7 @@
           <a:graphicData uri="http://schemas.openxmlformats.org/presentationml/2006/ole">
             <mc:AlternateContent xmlns:mc="http://schemas.openxmlformats.org/markup-compatibility/2006">
               <mc:Choice xmlns:v="urn:schemas-microsoft-com:vml" Requires="v">
-                <p:oleObj spid="_x0000_s1173" name="Corel DESIGNER" r:id="rId18" imgW="2743200" imgH="1536480" progId="Corel DESIGNER.Graphic.10">
+                <p:oleObj spid="_x0000_s1175" name="Corel DESIGNER" r:id="rId18" imgW="2743200" imgH="1536480" progId="Corel DESIGNER.Graphic.10">
                   <p:embed/>
                 </p:oleObj>
               </mc:Choice>
@@ -13225,18 +13225,13 @@
               <a:t>部</a:t>
             </a:r>
             <a:r>
-              <a:rPr lang="en-US" altLang="ja-JP" sz="1400" kern="0">
+              <a:rPr lang="en-US" altLang="ja-JP" sz="1400" kern="0" dirty="0">
                 <a:solidFill>
                   <a:srgbClr val="5F5F5F"/>
                 </a:solidFill>
               </a:rPr>
               <a:t>) _ OpenRTM-aist.html</a:t>
             </a:r>
-            <a:endParaRPr lang="en-US" altLang="ja-JP" sz="1400" kern="0" dirty="0">
-              <a:solidFill>
-                <a:srgbClr val="5F5F5F"/>
-              </a:solidFill>
-            </a:endParaRPr>
           </a:p>
           <a:p>
             <a:pPr eaLnBrk="1" hangingPunct="1">
@@ -13335,10 +13330,10 @@
       </p:sp>
       <p:pic>
         <p:nvPicPr>
-          <p:cNvPr id="2" name="図 1">
+          <p:cNvPr id="3" name="図 2">
             <a:extLst>
               <a:ext uri="{FF2B5EF4-FFF2-40B4-BE49-F238E27FC236}">
-                <a16:creationId xmlns:a16="http://schemas.microsoft.com/office/drawing/2014/main" id="{2AAB90C9-C096-4A7B-B530-AFE6C1175A2F}"/>
+                <a16:creationId xmlns:a16="http://schemas.microsoft.com/office/drawing/2014/main" id="{5C666C64-3698-44AB-92A5-CD5A7C3B88CB}"/>
               </a:ext>
             </a:extLst>
           </p:cNvPr>
@@ -13355,8 +13350,8 @@
         </p:blipFill>
         <p:spPr>
           <a:xfrm>
-            <a:off x="1916705" y="2718165"/>
-            <a:ext cx="4094689" cy="4077363"/>
+            <a:off x="2231740" y="2618910"/>
+            <a:ext cx="3969103" cy="4131736"/>
           </a:xfrm>
           <a:prstGeom prst="rect">
             <a:avLst/>
